--- a/semaine3/CO12AL-W3-VIDEO11-SLIDE01.pptx
+++ b/semaine3/CO12AL-W3-VIDEO11-SLIDE01.pptx
@@ -13,7 +13,7 @@
   <p:sldIdLst>
     <p:sldId id="897" r:id="rId2"/>
   </p:sldIdLst>
-  <p:sldSz cx="9144000" cy="6858000" type="screen4x3"/>
+  <p:sldSz cx="12192000" cy="6858000"/>
   <p:notesSz cx="7099300" cy="10234613"/>
   <p:defaultTextStyle>
     <a:defPPr>
@@ -152,12 +152,12 @@
     </p:ext>
     <p:ext uri="{EFAFB233-063F-42B5-8137-9DF3F51BA10A}">
       <p15:sldGuideLst xmlns:p15="http://schemas.microsoft.com/office/powerpoint/2012/main">
-        <p15:guide id="1" orient="horz" pos="2160">
+        <p15:guide id="1" orient="horz" pos="2160" userDrawn="1">
           <p15:clr>
             <a:srgbClr val="A4A3A4"/>
           </p15:clr>
         </p15:guide>
-        <p15:guide id="2" pos="2880">
+        <p15:guide id="2" pos="3840" userDrawn="1">
           <p15:clr>
             <a:srgbClr val="A4A3A4"/>
           </p15:clr>
@@ -560,8 +560,8 @@
         </p:nvSpPr>
         <p:spPr bwMode="auto">
           <a:xfrm>
-            <a:off x="992188" y="768350"/>
-            <a:ext cx="5116512" cy="3836988"/>
+            <a:off x="141288" y="768350"/>
+            <a:ext cx="6818312" cy="3836988"/>
           </a:xfrm>
           <a:prstGeom prst="rect">
             <a:avLst/>
@@ -928,7 +928,12 @@
             <p:ph type="sldImg"/>
           </p:nvPr>
         </p:nvSpPr>
-        <p:spPr/>
+        <p:spPr>
+          <a:xfrm>
+            <a:off x="141288" y="768350"/>
+            <a:ext cx="6818312" cy="3836988"/>
+          </a:xfrm>
+        </p:spPr>
       </p:sp>
       <p:sp>
         <p:nvSpPr>
@@ -1032,8 +1037,8 @@
         </p:nvSpPr>
         <p:spPr>
           <a:xfrm>
-            <a:off x="685800" y="1219200"/>
-            <a:ext cx="7772400" cy="1470025"/>
+            <a:off x="914400" y="1219201"/>
+            <a:ext cx="10363200" cy="1470025"/>
           </a:xfrm>
         </p:spPr>
         <p:txBody>
@@ -1063,8 +1068,8 @@
         </p:nvSpPr>
         <p:spPr>
           <a:xfrm>
-            <a:off x="1295400" y="3048000"/>
-            <a:ext cx="6400800" cy="1752600"/>
+            <a:off x="1727200" y="3048000"/>
+            <a:ext cx="8534400" cy="1752600"/>
           </a:xfrm>
         </p:spPr>
         <p:txBody>
@@ -1096,8 +1101,8 @@
         </p:nvSpPr>
         <p:spPr>
           <a:xfrm>
-            <a:off x="457200" y="6248400"/>
-            <a:ext cx="2895600" cy="476250"/>
+            <a:off x="609600" y="6248400"/>
+            <a:ext cx="3860800" cy="476250"/>
           </a:xfrm>
         </p:spPr>
         <p:txBody>
@@ -1131,8 +1136,8 @@
         </p:nvSpPr>
         <p:spPr>
           <a:xfrm>
-            <a:off x="6553200" y="6245225"/>
-            <a:ext cx="2133600" cy="476250"/>
+            <a:off x="8737600" y="6245225"/>
+            <a:ext cx="2844800" cy="476250"/>
           </a:xfrm>
         </p:spPr>
         <p:txBody>
@@ -1371,8 +1376,8 @@
         </p:nvSpPr>
         <p:spPr>
           <a:xfrm>
-            <a:off x="6629400" y="274638"/>
-            <a:ext cx="2057400" cy="5851525"/>
+            <a:off x="8839200" y="274639"/>
+            <a:ext cx="2743200" cy="5851525"/>
           </a:xfrm>
         </p:spPr>
         <p:txBody>
@@ -1399,8 +1404,8 @@
         </p:nvSpPr>
         <p:spPr>
           <a:xfrm>
-            <a:off x="457200" y="274638"/>
-            <a:ext cx="6019800" cy="5851525"/>
+            <a:off x="609600" y="274639"/>
+            <a:ext cx="8026400" cy="5851525"/>
           </a:xfrm>
         </p:spPr>
         <p:txBody>
@@ -1549,8 +1554,8 @@
         </p:nvSpPr>
         <p:spPr>
           <a:xfrm>
-            <a:off x="457200" y="274638"/>
-            <a:ext cx="8229600" cy="1143000"/>
+            <a:off x="609600" y="274638"/>
+            <a:ext cx="10972800" cy="1143000"/>
           </a:xfrm>
         </p:spPr>
         <p:txBody>
@@ -1577,8 +1582,8 @@
         </p:nvSpPr>
         <p:spPr>
           <a:xfrm>
-            <a:off x="457200" y="1600200"/>
-            <a:ext cx="4038600" cy="4525963"/>
+            <a:off x="609600" y="1600201"/>
+            <a:ext cx="5384800" cy="4525963"/>
           </a:xfrm>
         </p:spPr>
         <p:txBody>
@@ -1634,8 +1639,8 @@
         </p:nvSpPr>
         <p:spPr>
           <a:xfrm>
-            <a:off x="4648200" y="1600200"/>
-            <a:ext cx="4038600" cy="4525963"/>
+            <a:off x="6197600" y="1600201"/>
+            <a:ext cx="5384800" cy="4525963"/>
           </a:xfrm>
         </p:spPr>
         <p:txBody>
@@ -1959,8 +1964,8 @@
         </p:nvSpPr>
         <p:spPr>
           <a:xfrm>
-            <a:off x="722313" y="4406900"/>
-            <a:ext cx="7772400" cy="1362075"/>
+            <a:off x="963084" y="4406901"/>
+            <a:ext cx="10363200" cy="1362075"/>
           </a:xfrm>
         </p:spPr>
         <p:txBody>
@@ -1991,8 +1996,8 @@
         </p:nvSpPr>
         <p:spPr>
           <a:xfrm>
-            <a:off x="722313" y="2906713"/>
-            <a:ext cx="7772400" cy="1500187"/>
+            <a:off x="963084" y="2906713"/>
+            <a:ext cx="10363200" cy="1500187"/>
           </a:xfrm>
         </p:spPr>
         <p:txBody>
@@ -2179,8 +2184,8 @@
         </p:nvSpPr>
         <p:spPr>
           <a:xfrm>
-            <a:off x="457200" y="1600200"/>
-            <a:ext cx="4038600" cy="4525963"/>
+            <a:off x="609600" y="1600201"/>
+            <a:ext cx="5384800" cy="4525963"/>
           </a:xfrm>
         </p:spPr>
         <p:txBody>
@@ -2264,8 +2269,8 @@
         </p:nvSpPr>
         <p:spPr>
           <a:xfrm>
-            <a:off x="4648200" y="1600200"/>
-            <a:ext cx="4038600" cy="4525963"/>
+            <a:off x="6197600" y="1600201"/>
+            <a:ext cx="5384800" cy="4525963"/>
           </a:xfrm>
         </p:spPr>
         <p:txBody>
@@ -2476,8 +2481,8 @@
         </p:nvSpPr>
         <p:spPr>
           <a:xfrm>
-            <a:off x="457200" y="1535113"/>
-            <a:ext cx="4040188" cy="639762"/>
+            <a:off x="609600" y="1535113"/>
+            <a:ext cx="5386917" cy="639762"/>
           </a:xfrm>
         </p:spPr>
         <p:txBody>
@@ -2541,8 +2546,8 @@
         </p:nvSpPr>
         <p:spPr>
           <a:xfrm>
-            <a:off x="457200" y="2174875"/>
-            <a:ext cx="4040188" cy="3951288"/>
+            <a:off x="609600" y="2174875"/>
+            <a:ext cx="5386917" cy="3951288"/>
           </a:xfrm>
         </p:spPr>
         <p:txBody>
@@ -2626,8 +2631,8 @@
         </p:nvSpPr>
         <p:spPr>
           <a:xfrm>
-            <a:off x="4645025" y="1535113"/>
-            <a:ext cx="4041775" cy="639762"/>
+            <a:off x="6193368" y="1535113"/>
+            <a:ext cx="5389033" cy="639762"/>
           </a:xfrm>
         </p:spPr>
         <p:txBody>
@@ -2691,8 +2696,8 @@
         </p:nvSpPr>
         <p:spPr>
           <a:xfrm>
-            <a:off x="4645025" y="2174875"/>
-            <a:ext cx="4041775" cy="3951288"/>
+            <a:off x="6193368" y="2174875"/>
+            <a:ext cx="5389033" cy="3951288"/>
           </a:xfrm>
         </p:spPr>
         <p:txBody>
@@ -3099,8 +3104,8 @@
         </p:nvSpPr>
         <p:spPr>
           <a:xfrm>
-            <a:off x="457200" y="273050"/>
-            <a:ext cx="3008313" cy="1162050"/>
+            <a:off x="609601" y="273050"/>
+            <a:ext cx="4011084" cy="1162050"/>
           </a:xfrm>
         </p:spPr>
         <p:txBody>
@@ -3131,8 +3136,8 @@
         </p:nvSpPr>
         <p:spPr>
           <a:xfrm>
-            <a:off x="3575050" y="273050"/>
-            <a:ext cx="5111750" cy="5853113"/>
+            <a:off x="4766733" y="273051"/>
+            <a:ext cx="6815667" cy="5853113"/>
           </a:xfrm>
         </p:spPr>
         <p:txBody>
@@ -3216,8 +3221,8 @@
         </p:nvSpPr>
         <p:spPr>
           <a:xfrm>
-            <a:off x="457200" y="1435100"/>
-            <a:ext cx="3008313" cy="4691063"/>
+            <a:off x="609601" y="1435101"/>
+            <a:ext cx="4011084" cy="4691063"/>
           </a:xfrm>
         </p:spPr>
         <p:txBody>
@@ -3374,8 +3379,8 @@
         </p:nvSpPr>
         <p:spPr>
           <a:xfrm>
-            <a:off x="1792288" y="4800600"/>
-            <a:ext cx="5486400" cy="566738"/>
+            <a:off x="2389717" y="4800600"/>
+            <a:ext cx="7315200" cy="566738"/>
           </a:xfrm>
         </p:spPr>
         <p:txBody>
@@ -3406,8 +3411,8 @@
         </p:nvSpPr>
         <p:spPr>
           <a:xfrm>
-            <a:off x="1792288" y="612775"/>
-            <a:ext cx="5486400" cy="4114800"/>
+            <a:off x="2389717" y="612775"/>
+            <a:ext cx="7315200" cy="4114800"/>
           </a:xfrm>
         </p:spPr>
         <p:txBody>
@@ -3468,8 +3473,8 @@
         </p:nvSpPr>
         <p:spPr>
           <a:xfrm>
-            <a:off x="1792288" y="5367338"/>
-            <a:ext cx="5486400" cy="804862"/>
+            <a:off x="2389717" y="5367338"/>
+            <a:ext cx="7315200" cy="804862"/>
           </a:xfrm>
         </p:spPr>
         <p:txBody>
@@ -3634,8 +3639,8 @@
         </p:nvSpPr>
         <p:spPr bwMode="auto">
           <a:xfrm>
-            <a:off x="457200" y="274638"/>
-            <a:ext cx="8229600" cy="1143000"/>
+            <a:off x="609600" y="274638"/>
+            <a:ext cx="10972800" cy="1143000"/>
           </a:xfrm>
           <a:prstGeom prst="rect">
             <a:avLst/>
@@ -3692,8 +3697,8 @@
         </p:nvSpPr>
         <p:spPr bwMode="auto">
           <a:xfrm>
-            <a:off x="457200" y="1600200"/>
-            <a:ext cx="8229600" cy="4525963"/>
+            <a:off x="609600" y="1600201"/>
+            <a:ext cx="10972800" cy="4525963"/>
           </a:xfrm>
           <a:prstGeom prst="rect">
             <a:avLst/>
@@ -3778,8 +3783,8 @@
         </p:nvSpPr>
         <p:spPr bwMode="auto">
           <a:xfrm>
-            <a:off x="0" y="6521450"/>
-            <a:ext cx="3967163" cy="336550"/>
+            <a:off x="1" y="6521450"/>
+            <a:ext cx="5289551" cy="336550"/>
           </a:xfrm>
           <a:prstGeom prst="rect">
             <a:avLst/>
@@ -3833,8 +3838,8 @@
         </p:nvSpPr>
         <p:spPr bwMode="auto">
           <a:xfrm>
-            <a:off x="7772400" y="6248400"/>
-            <a:ext cx="914400" cy="476250"/>
+            <a:off x="10363200" y="6248400"/>
+            <a:ext cx="1219200" cy="476250"/>
           </a:xfrm>
           <a:prstGeom prst="rect">
             <a:avLst/>
@@ -4308,7 +4313,7 @@
         </p:nvSpPr>
         <p:spPr>
           <a:xfrm>
-            <a:off x="457200" y="3249"/>
+            <a:off x="8186196" y="334228"/>
             <a:ext cx="5395494" cy="3046988"/>
           </a:xfrm>
           <a:prstGeom prst="rect">
@@ -4353,11 +4358,52 @@
               <a:t> </a:t>
             </a:r>
             <a:r>
-              <a:rPr lang="fr-FR" dirty="0" smtClean="0">
+              <a:rPr lang="fr-FR" dirty="0">
                 <a:latin typeface="Courier New" panose="02070309020205020404" pitchFamily="49" charset="0"/>
                 <a:cs typeface="Courier New" panose="02070309020205020404" pitchFamily="49" charset="0"/>
               </a:rPr>
               <a:t>f(L):</a:t>
+            </a:r>
+            <a:endParaRPr lang="fr-FR" dirty="0">
+              <a:latin typeface="Courier New" panose="02070309020205020404" pitchFamily="49" charset="0"/>
+              <a:cs typeface="Courier New" panose="02070309020205020404" pitchFamily="49" charset="0"/>
+            </a:endParaRPr>
+          </a:p>
+          <a:p>
+            <a:r>
+              <a:rPr lang="fr-FR" dirty="0">
+                <a:latin typeface="Courier New" panose="02070309020205020404" pitchFamily="49" charset="0"/>
+                <a:cs typeface="Courier New" panose="02070309020205020404" pitchFamily="49" charset="0"/>
+              </a:rPr>
+              <a:t>	 </a:t>
+            </a:r>
+            <a:r>
+              <a:rPr lang="fr-FR" dirty="0">
+                <a:latin typeface="Courier New" panose="02070309020205020404" pitchFamily="49" charset="0"/>
+                <a:cs typeface="Courier New" panose="02070309020205020404" pitchFamily="49" charset="0"/>
+              </a:rPr>
+              <a:t>  </a:t>
+            </a:r>
+            <a:r>
+              <a:rPr lang="fr-FR" dirty="0" err="1">
+                <a:latin typeface="Courier New" panose="02070309020205020404" pitchFamily="49" charset="0"/>
+                <a:cs typeface="Courier New" panose="02070309020205020404" pitchFamily="49" charset="0"/>
+              </a:rPr>
+              <a:t>L.append</a:t>
+            </a:r>
+            <a:r>
+              <a:rPr lang="fr-FR" dirty="0">
+                <a:latin typeface="Courier New" panose="02070309020205020404" pitchFamily="49" charset="0"/>
+                <a:cs typeface="Courier New" panose="02070309020205020404" pitchFamily="49" charset="0"/>
+              </a:rPr>
+              <a:t>(3</a:t>
+            </a:r>
+            <a:r>
+              <a:rPr lang="fr-FR" dirty="0">
+                <a:latin typeface="Courier New" panose="02070309020205020404" pitchFamily="49" charset="0"/>
+                <a:cs typeface="Courier New" panose="02070309020205020404" pitchFamily="49" charset="0"/>
+              </a:rPr>
+              <a:t>) </a:t>
             </a:r>
             <a:endParaRPr lang="fr-FR" dirty="0">
               <a:latin typeface="Courier New" panose="02070309020205020404" pitchFamily="49" charset="0"/>
@@ -4377,42 +4423,22 @@
                 <a:latin typeface="Courier New" panose="02070309020205020404" pitchFamily="49" charset="0"/>
                 <a:cs typeface="Courier New" panose="02070309020205020404" pitchFamily="49" charset="0"/>
               </a:rPr>
-              <a:t> </a:t>
-            </a:r>
-            <a:r>
-              <a:rPr lang="fr-FR" dirty="0" smtClean="0">
-                <a:latin typeface="Courier New" panose="02070309020205020404" pitchFamily="49" charset="0"/>
-                <a:cs typeface="Courier New" panose="02070309020205020404" pitchFamily="49" charset="0"/>
-              </a:rPr>
-              <a:t>  </a:t>
-            </a:r>
-            <a:r>
-              <a:rPr lang="fr-FR" dirty="0" err="1" smtClean="0">
-                <a:latin typeface="Courier New" panose="02070309020205020404" pitchFamily="49" charset="0"/>
-                <a:cs typeface="Courier New" panose="02070309020205020404" pitchFamily="49" charset="0"/>
-              </a:rPr>
-              <a:t>L.append</a:t>
-            </a:r>
-            <a:r>
-              <a:rPr lang="fr-FR" dirty="0" smtClean="0">
-                <a:latin typeface="Courier New" panose="02070309020205020404" pitchFamily="49" charset="0"/>
-                <a:cs typeface="Courier New" panose="02070309020205020404" pitchFamily="49" charset="0"/>
-              </a:rPr>
-              <a:t>(3</a:t>
+              <a:t>   L </a:t>
             </a:r>
             <a:r>
               <a:rPr lang="fr-FR" dirty="0">
                 <a:latin typeface="Courier New" panose="02070309020205020404" pitchFamily="49" charset="0"/>
                 <a:cs typeface="Courier New" panose="02070309020205020404" pitchFamily="49" charset="0"/>
               </a:rPr>
-              <a:t>) </a:t>
-            </a:r>
-            <a:endParaRPr lang="fr-FR" dirty="0" smtClean="0">
-              <a:latin typeface="Courier New" panose="02070309020205020404" pitchFamily="49" charset="0"/>
-              <a:cs typeface="Courier New" panose="02070309020205020404" pitchFamily="49" charset="0"/>
-            </a:endParaRPr>
-          </a:p>
-          <a:p>
+              <a:t>= [1, 2, 3</a:t>
+            </a:r>
+            <a:r>
+              <a:rPr lang="fr-FR" dirty="0">
+                <a:latin typeface="Courier New" panose="02070309020205020404" pitchFamily="49" charset="0"/>
+                <a:cs typeface="Courier New" panose="02070309020205020404" pitchFamily="49" charset="0"/>
+              </a:rPr>
+              <a:t>]</a:t>
+            </a:r>
             <a:r>
               <a:rPr lang="fr-FR" dirty="0">
                 <a:latin typeface="Courier New" panose="02070309020205020404" pitchFamily="49" charset="0"/>
@@ -4420,38 +4446,10 @@
               </a:rPr>
               <a:t>	</a:t>
             </a:r>
-            <a:r>
-              <a:rPr lang="fr-FR" dirty="0" smtClean="0">
-                <a:latin typeface="Courier New" panose="02070309020205020404" pitchFamily="49" charset="0"/>
-                <a:cs typeface="Courier New" panose="02070309020205020404" pitchFamily="49" charset="0"/>
-              </a:rPr>
-              <a:t>   L </a:t>
-            </a:r>
+          </a:p>
+          <a:p>
             <a:r>
               <a:rPr lang="fr-FR" dirty="0">
-                <a:latin typeface="Courier New" panose="02070309020205020404" pitchFamily="49" charset="0"/>
-                <a:cs typeface="Courier New" panose="02070309020205020404" pitchFamily="49" charset="0"/>
-              </a:rPr>
-              <a:t>= [1, 2, 3</a:t>
-            </a:r>
-            <a:r>
-              <a:rPr lang="fr-FR" dirty="0" smtClean="0">
-                <a:latin typeface="Courier New" panose="02070309020205020404" pitchFamily="49" charset="0"/>
-                <a:cs typeface="Courier New" panose="02070309020205020404" pitchFamily="49" charset="0"/>
-              </a:rPr>
-              <a:t>]</a:t>
-            </a:r>
-            <a:r>
-              <a:rPr lang="fr-FR" dirty="0">
-                <a:latin typeface="Courier New" panose="02070309020205020404" pitchFamily="49" charset="0"/>
-                <a:cs typeface="Courier New" panose="02070309020205020404" pitchFamily="49" charset="0"/>
-              </a:rPr>
-              <a:t>	</a:t>
-            </a:r>
-          </a:p>
-          <a:p>
-            <a:r>
-              <a:rPr lang="fr-FR" dirty="0" smtClean="0">
                 <a:latin typeface="Courier New" panose="02070309020205020404" pitchFamily="49" charset="0"/>
                 <a:cs typeface="Courier New" panose="02070309020205020404" pitchFamily="49" charset="0"/>
               </a:rPr>
@@ -4465,7 +4463,7 @@
               <a:t>f(L</a:t>
             </a:r>
             <a:r>
-              <a:rPr lang="fr-FR" dirty="0" smtClean="0">
+              <a:rPr lang="fr-FR" dirty="0">
                 <a:latin typeface="Courier New" panose="02070309020205020404" pitchFamily="49" charset="0"/>
                 <a:cs typeface="Courier New" panose="02070309020205020404" pitchFamily="49" charset="0"/>
               </a:rPr>
@@ -4474,32 +4472,25 @@
           </a:p>
           <a:p>
             <a:r>
-              <a:rPr lang="fr-FR" dirty="0" smtClean="0">
+              <a:rPr lang="fr-FR" dirty="0">
                 <a:latin typeface="Courier New" panose="02070309020205020404" pitchFamily="49" charset="0"/>
                 <a:cs typeface="Courier New" panose="02070309020205020404" pitchFamily="49" charset="0"/>
               </a:rPr>
               <a:t>&gt;&gt;&gt; </a:t>
             </a:r>
             <a:r>
-              <a:rPr lang="fr-FR" dirty="0" err="1" smtClean="0">
+              <a:rPr lang="fr-FR" dirty="0" err="1">
                 <a:latin typeface="Courier New" panose="02070309020205020404" pitchFamily="49" charset="0"/>
                 <a:cs typeface="Courier New" panose="02070309020205020404" pitchFamily="49" charset="0"/>
               </a:rPr>
               <a:t>print</a:t>
             </a:r>
             <a:r>
-              <a:rPr lang="fr-FR" dirty="0" smtClean="0">
+              <a:rPr lang="fr-FR" dirty="0">
                 <a:latin typeface="Courier New" panose="02070309020205020404" pitchFamily="49" charset="0"/>
                 <a:cs typeface="Courier New" panose="02070309020205020404" pitchFamily="49" charset="0"/>
               </a:rPr>
-              <a:t> </a:t>
-            </a:r>
-            <a:r>
-              <a:rPr lang="fr-FR" dirty="0" smtClean="0">
-                <a:latin typeface="Courier New" panose="02070309020205020404" pitchFamily="49" charset="0"/>
-                <a:cs typeface="Courier New" panose="02070309020205020404" pitchFamily="49" charset="0"/>
-              </a:rPr>
-              <a:t>L</a:t>
+              <a:t> L</a:t>
             </a:r>
           </a:p>
           <a:p>
@@ -4527,8 +4518,8 @@
         </p:nvSpPr>
         <p:spPr bwMode="auto">
           <a:xfrm>
-            <a:off x="4958863" y="3118332"/>
-            <a:ext cx="3481752" cy="3608369"/>
+            <a:off x="4355483" y="1729812"/>
+            <a:ext cx="3610390" cy="4204456"/>
           </a:xfrm>
           <a:prstGeom prst="rect">
             <a:avLst/>
@@ -4554,32 +4545,12 @@
           </a:bodyPr>
           <a:lstStyle/>
           <a:p>
-            <a:pPr marL="0" marR="0" indent="0" algn="ctr" defTabSz="914400" rtl="0" eaLnBrk="1" fontAlgn="base" latinLnBrk="0" hangingPunct="1">
-              <a:lnSpc>
-                <a:spcPct val="100000"/>
-              </a:lnSpc>
+            <a:pPr algn="ctr">
               <a:spcBef>
                 <a:spcPct val="50000"/>
               </a:spcBef>
-              <a:spcAft>
-                <a:spcPct val="0"/>
-              </a:spcAft>
-              <a:buClrTx/>
-              <a:buSzTx/>
-              <a:buFontTx/>
-              <a:buNone/>
-              <a:tabLst/>
             </a:pPr>
-            <a:endParaRPr kumimoji="0" lang="fr-FR" sz="2400" b="0" i="0" u="none" strike="noStrike" cap="none" normalizeH="0" baseline="0" smtClean="0">
-              <a:ln>
-                <a:noFill/>
-              </a:ln>
-              <a:solidFill>
-                <a:schemeClr val="tx1"/>
-              </a:solidFill>
-              <a:effectLst/>
-              <a:latin typeface="Comic Sans MS" pitchFamily="66" charset="0"/>
-            </a:endParaRPr>
+            <a:endParaRPr lang="fr-FR"/>
           </a:p>
         </p:txBody>
       </p:sp>
@@ -4591,7 +4562,7 @@
         </p:nvSpPr>
         <p:spPr>
           <a:xfrm>
-            <a:off x="5528724" y="2318942"/>
+            <a:off x="4925727" y="671420"/>
             <a:ext cx="3454400" cy="923330"/>
           </a:xfrm>
           <a:prstGeom prst="rect">
@@ -4606,7 +4577,7 @@
           <a:lstStyle/>
           <a:p>
             <a:r>
-              <a:rPr lang="fr-FR" sz="5400" dirty="0" smtClean="0">
+              <a:rPr lang="fr-FR" sz="5400" dirty="0">
                 <a:latin typeface="Calibri" panose="020F0502020204030204" pitchFamily="34" charset="0"/>
               </a:rPr>
               <a:t>objets</a:t>
@@ -4625,8 +4596,8 @@
         </p:nvSpPr>
         <p:spPr bwMode="auto">
           <a:xfrm>
-            <a:off x="846288" y="3118333"/>
-            <a:ext cx="3657548" cy="3608370"/>
+            <a:off x="163019" y="1729811"/>
+            <a:ext cx="3737437" cy="4204457"/>
           </a:xfrm>
           <a:prstGeom prst="rect">
             <a:avLst/>
@@ -4652,32 +4623,12 @@
           </a:bodyPr>
           <a:lstStyle/>
           <a:p>
-            <a:pPr marL="0" marR="0" indent="0" algn="ctr" defTabSz="914400" rtl="0" eaLnBrk="1" fontAlgn="base" latinLnBrk="0" hangingPunct="1">
-              <a:lnSpc>
-                <a:spcPct val="100000"/>
-              </a:lnSpc>
+            <a:pPr algn="ctr">
               <a:spcBef>
                 <a:spcPct val="50000"/>
               </a:spcBef>
-              <a:spcAft>
-                <a:spcPct val="0"/>
-              </a:spcAft>
-              <a:buClrTx/>
-              <a:buSzTx/>
-              <a:buFontTx/>
-              <a:buNone/>
-              <a:tabLst/>
             </a:pPr>
-            <a:endParaRPr kumimoji="0" lang="fr-FR" sz="2400" b="0" i="0" u="none" strike="noStrike" cap="none" normalizeH="0" baseline="0" smtClean="0">
-              <a:ln>
-                <a:noFill/>
-              </a:ln>
-              <a:solidFill>
-                <a:schemeClr val="tx1"/>
-              </a:solidFill>
-              <a:effectLst/>
-              <a:latin typeface="Comic Sans MS" pitchFamily="66" charset="0"/>
-            </a:endParaRPr>
+            <a:endParaRPr lang="fr-FR"/>
           </a:p>
         </p:txBody>
       </p:sp>
@@ -4689,7 +4640,7 @@
         </p:nvSpPr>
         <p:spPr>
           <a:xfrm>
-            <a:off x="1248780" y="2318942"/>
+            <a:off x="645401" y="671420"/>
             <a:ext cx="3454400" cy="923330"/>
           </a:xfrm>
           <a:prstGeom prst="rect">
@@ -4704,7 +4655,7 @@
           <a:lstStyle/>
           <a:p>
             <a:r>
-              <a:rPr lang="fr-FR" sz="5400" dirty="0" smtClean="0">
+              <a:rPr lang="fr-FR" sz="5400" dirty="0">
                 <a:latin typeface="Calibri" panose="020F0502020204030204" pitchFamily="34" charset="0"/>
               </a:rPr>
               <a:t>variables</a:t>
@@ -4723,8 +4674,8 @@
         </p:nvCxnSpPr>
         <p:spPr bwMode="auto">
           <a:xfrm>
-            <a:off x="846288" y="4840652"/>
-            <a:ext cx="3657548" cy="0"/>
+            <a:off x="196549" y="3696858"/>
+            <a:ext cx="3703907" cy="30369"/>
           </a:xfrm>
           <a:prstGeom prst="line">
             <a:avLst/>
@@ -4750,7 +4701,7 @@
         </p:nvSpPr>
         <p:spPr>
           <a:xfrm>
-            <a:off x="846288" y="3118332"/>
+            <a:off x="242910" y="1769774"/>
             <a:ext cx="1932709" cy="584775"/>
           </a:xfrm>
           <a:prstGeom prst="rect">
@@ -4765,7 +4716,7 @@
           <a:lstStyle/>
           <a:p>
             <a:r>
-              <a:rPr lang="fr-FR" sz="3200" dirty="0" smtClean="0">
+              <a:rPr lang="fr-FR" sz="3200" dirty="0">
                 <a:solidFill>
                   <a:srgbClr val="FF0000"/>
                 </a:solidFill>
@@ -4790,7 +4741,7 @@
         </p:nvSpPr>
         <p:spPr>
           <a:xfrm>
-            <a:off x="875868" y="4885684"/>
+            <a:off x="196549" y="3807911"/>
             <a:ext cx="1932709" cy="584775"/>
           </a:xfrm>
           <a:prstGeom prst="rect">
@@ -4805,7 +4756,7 @@
           <a:lstStyle/>
           <a:p>
             <a:r>
-              <a:rPr lang="fr-FR" sz="3200" dirty="0" smtClean="0">
+              <a:rPr lang="fr-FR" sz="3200" dirty="0">
                 <a:solidFill>
                   <a:srgbClr val="FF0000"/>
                 </a:solidFill>
@@ -4830,7 +4781,7 @@
         </p:nvSpPr>
         <p:spPr>
           <a:xfrm>
-            <a:off x="7320800" y="3237974"/>
+            <a:off x="6717421" y="1889416"/>
             <a:ext cx="596264" cy="584775"/>
           </a:xfrm>
           <a:prstGeom prst="rect">
@@ -4851,7 +4802,7 @@
           <a:p>
             <a:pPr algn="ctr"/>
             <a:r>
-              <a:rPr lang="fr-FR" sz="3200" dirty="0" smtClean="0">
+              <a:rPr lang="fr-FR" sz="3200" dirty="0">
                 <a:latin typeface="Calibri" panose="020F0502020204030204" pitchFamily="34" charset="0"/>
               </a:rPr>
               <a:t>3</a:t>
@@ -4870,7 +4821,7 @@
         </p:nvSpPr>
         <p:spPr>
           <a:xfrm>
-            <a:off x="2171301" y="3963794"/>
+            <a:off x="1567922" y="2615236"/>
             <a:ext cx="536730" cy="584775"/>
           </a:xfrm>
           <a:prstGeom prst="rect">
@@ -4885,7 +4836,7 @@
           <a:lstStyle/>
           <a:p>
             <a:r>
-              <a:rPr lang="fr-FR" sz="3200" dirty="0" smtClean="0">
+              <a:rPr lang="fr-FR" sz="3200" dirty="0">
                 <a:latin typeface="Calibri" panose="020F0502020204030204" pitchFamily="34" charset="0"/>
               </a:rPr>
               <a:t>L</a:t>
@@ -4901,7 +4852,7 @@
         </p:nvGrpSpPr>
         <p:grpSpPr>
           <a:xfrm>
-            <a:off x="5154954" y="3242671"/>
+            <a:off x="4551575" y="1894113"/>
             <a:ext cx="1674910" cy="1597981"/>
             <a:chOff x="5154572" y="3517919"/>
             <a:chExt cx="1674910" cy="1597981"/>
@@ -4936,7 +4887,7 @@
             <a:p>
               <a:pPr algn="ctr"/>
               <a:r>
-                <a:rPr lang="fr-FR" sz="3200" dirty="0" smtClean="0">
+                <a:rPr lang="fr-FR" sz="3200" dirty="0">
                   <a:latin typeface="Calibri" panose="020F0502020204030204" pitchFamily="34" charset="0"/>
                 </a:rPr>
                 <a:t>[  ,  ]</a:t>
@@ -5013,7 +4964,7 @@
             <a:p>
               <a:pPr algn="ctr"/>
               <a:r>
-                <a:rPr lang="fr-FR" sz="3200" dirty="0" smtClean="0">
+                <a:rPr lang="fr-FR" sz="3200" dirty="0">
                   <a:latin typeface="Calibri" panose="020F0502020204030204" pitchFamily="34" charset="0"/>
                 </a:rPr>
                 <a:t>2</a:t>
@@ -5215,7 +5166,7 @@
         </p:nvGrpSpPr>
         <p:grpSpPr>
           <a:xfrm>
-            <a:off x="5256430" y="5037407"/>
+            <a:off x="4653051" y="3688849"/>
             <a:ext cx="2761726" cy="1597981"/>
             <a:chOff x="5256430" y="5037407"/>
             <a:chExt cx="2761726" cy="1597981"/>
@@ -5250,7 +5201,7 @@
             <a:p>
               <a:pPr algn="ctr"/>
               <a:r>
-                <a:rPr lang="fr-FR" sz="3200" dirty="0" smtClean="0">
+                <a:rPr lang="fr-FR" sz="3200" dirty="0">
                   <a:latin typeface="Calibri" panose="020F0502020204030204" pitchFamily="34" charset="0"/>
                 </a:rPr>
                 <a:t>3</a:t>
@@ -5304,7 +5255,7 @@
               <a:p>
                 <a:pPr algn="ctr"/>
                 <a:r>
-                  <a:rPr lang="fr-FR" sz="3200" dirty="0" smtClean="0">
+                  <a:rPr lang="fr-FR" sz="3200" dirty="0">
                     <a:latin typeface="Calibri" panose="020F0502020204030204" pitchFamily="34" charset="0"/>
                   </a:rPr>
                   <a:t>[  ,  ,  ]</a:t>
@@ -5381,7 +5332,7 @@
               <a:p>
                 <a:pPr algn="ctr"/>
                 <a:r>
-                  <a:rPr lang="fr-FR" sz="3200" dirty="0" smtClean="0">
+                  <a:rPr lang="fr-FR" sz="3200" dirty="0">
                     <a:latin typeface="Calibri" panose="020F0502020204030204" pitchFamily="34" charset="0"/>
                   </a:rPr>
                   <a:t>2</a:t>
@@ -5657,8 +5608,8 @@
         </p:nvSpPr>
         <p:spPr bwMode="auto">
           <a:xfrm>
-            <a:off x="2495149" y="5418931"/>
-            <a:ext cx="2850574" cy="985229"/>
+            <a:off x="1985076" y="4704854"/>
+            <a:ext cx="2757268" cy="409157"/>
           </a:xfrm>
           <a:custGeom>
             <a:avLst/>
@@ -5693,6 +5644,36 @@
               <a:gd name="connsiteY1" fmla="*/ 707405 h 985229"/>
               <a:gd name="connsiteX2" fmla="*/ 2850574 w 2850574"/>
               <a:gd name="connsiteY2" fmla="*/ 925597 h 985229"/>
+              <a:gd name="connsiteX0" fmla="*/ 0 w 2757268"/>
+              <a:gd name="connsiteY0" fmla="*/ 0 h 350748"/>
+              <a:gd name="connsiteX1" fmla="*/ 1070006 w 2757268"/>
+              <a:gd name="connsiteY1" fmla="*/ 72924 h 350748"/>
+              <a:gd name="connsiteX2" fmla="*/ 2757268 w 2757268"/>
+              <a:gd name="connsiteY2" fmla="*/ 291116 h 350748"/>
+              <a:gd name="connsiteX0" fmla="*/ 0 w 2757268"/>
+              <a:gd name="connsiteY0" fmla="*/ 0 h 465287"/>
+              <a:gd name="connsiteX1" fmla="*/ 1107328 w 2757268"/>
+              <a:gd name="connsiteY1" fmla="*/ 334181 h 465287"/>
+              <a:gd name="connsiteX2" fmla="*/ 2757268 w 2757268"/>
+              <a:gd name="connsiteY2" fmla="*/ 291116 h 465287"/>
+              <a:gd name="connsiteX0" fmla="*/ 0 w 2757268"/>
+              <a:gd name="connsiteY0" fmla="*/ 0 h 440952"/>
+              <a:gd name="connsiteX1" fmla="*/ 1107328 w 2757268"/>
+              <a:gd name="connsiteY1" fmla="*/ 334181 h 440952"/>
+              <a:gd name="connsiteX2" fmla="*/ 2757268 w 2757268"/>
+              <a:gd name="connsiteY2" fmla="*/ 291116 h 440952"/>
+              <a:gd name="connsiteX0" fmla="*/ 0 w 2757268"/>
+              <a:gd name="connsiteY0" fmla="*/ 0 h 440952"/>
+              <a:gd name="connsiteX1" fmla="*/ 1107328 w 2757268"/>
+              <a:gd name="connsiteY1" fmla="*/ 334181 h 440952"/>
+              <a:gd name="connsiteX2" fmla="*/ 2757268 w 2757268"/>
+              <a:gd name="connsiteY2" fmla="*/ 291116 h 440952"/>
+              <a:gd name="connsiteX0" fmla="*/ 0 w 2757268"/>
+              <a:gd name="connsiteY0" fmla="*/ 0 h 409157"/>
+              <a:gd name="connsiteX1" fmla="*/ 1107328 w 2757268"/>
+              <a:gd name="connsiteY1" fmla="*/ 334181 h 409157"/>
+              <a:gd name="connsiteX2" fmla="*/ 2757268 w 2757268"/>
+              <a:gd name="connsiteY2" fmla="*/ 291116 h 409157"/>
             </a:gdLst>
             <a:ahLst/>
             <a:cxnLst>
@@ -5708,19 +5689,19 @@
             </a:cxnLst>
             <a:rect l="l" t="t" r="r" b="b"/>
             <a:pathLst>
-              <a:path w="2850574" h="985229">
+              <a:path w="2757268" h="409157">
                 <a:moveTo>
                   <a:pt x="0" y="0"/>
                 </a:moveTo>
                 <a:cubicBezTo>
                   <a:pt x="389206" y="257908"/>
-                  <a:pt x="722428" y="534478"/>
-                  <a:pt x="1163312" y="707405"/>
+                  <a:pt x="610460" y="217238"/>
+                  <a:pt x="1107328" y="334181"/>
                 </a:cubicBezTo>
                 <a:cubicBezTo>
-                  <a:pt x="1641518" y="954977"/>
-                  <a:pt x="2320691" y="1061585"/>
-                  <a:pt x="2850574" y="925597"/>
+                  <a:pt x="1697501" y="451124"/>
+                  <a:pt x="2227385" y="427104"/>
+                  <a:pt x="2757268" y="291116"/>
                 </a:cubicBezTo>
               </a:path>
             </a:pathLst>
@@ -5754,7 +5735,7 @@
         </p:nvGrpSpPr>
         <p:grpSpPr>
           <a:xfrm>
-            <a:off x="5043632" y="3156426"/>
+            <a:off x="4440254" y="1807867"/>
             <a:ext cx="1889623" cy="1813782"/>
             <a:chOff x="4841910" y="326867"/>
             <a:chExt cx="1889623" cy="1813782"/>
@@ -5875,7 +5856,7 @@
               <a:p>
                 <a:pPr algn="ctr"/>
                 <a:r>
-                  <a:rPr lang="fr-FR" sz="3200" dirty="0" smtClean="0">
+                  <a:rPr lang="fr-FR" sz="3200" dirty="0">
                     <a:latin typeface="Calibri" panose="020F0502020204030204" pitchFamily="34" charset="0"/>
                   </a:rPr>
                   <a:t>2</a:t>
@@ -5917,7 +5898,7 @@
               <a:p>
                 <a:pPr algn="ctr"/>
                 <a:r>
-                  <a:rPr lang="fr-FR" sz="3200" dirty="0" smtClean="0">
+                  <a:rPr lang="fr-FR" sz="3200" dirty="0">
                     <a:latin typeface="Calibri" panose="020F0502020204030204" pitchFamily="34" charset="0"/>
                   </a:rPr>
                   <a:t>[  ,  ,  ]</a:t>
@@ -6138,7 +6119,7 @@
         </p:nvSpPr>
         <p:spPr bwMode="auto">
           <a:xfrm>
-            <a:off x="2518117" y="3842485"/>
+            <a:off x="1914739" y="2493927"/>
             <a:ext cx="2700997" cy="912395"/>
           </a:xfrm>
           <a:custGeom>
@@ -6211,7 +6192,7 @@
         </p:nvSpPr>
         <p:spPr bwMode="auto">
           <a:xfrm>
-            <a:off x="6270171" y="3802743"/>
+            <a:off x="5666793" y="2454185"/>
             <a:ext cx="1373083" cy="783771"/>
           </a:xfrm>
           <a:custGeom>
@@ -6284,7 +6265,7 @@
         </p:nvSpPr>
         <p:spPr>
           <a:xfrm>
-            <a:off x="2242267" y="5045416"/>
+            <a:off x="1603292" y="4421142"/>
             <a:ext cx="536730" cy="584775"/>
           </a:xfrm>
           <a:prstGeom prst="rect">
@@ -6304,7 +6285,7 @@
               </a:rPr>
               <a:t>L</a:t>
             </a:r>
-            <a:endParaRPr lang="fr-FR" sz="3200" dirty="0" smtClean="0">
+            <a:endParaRPr lang="fr-FR" sz="3200" dirty="0">
               <a:latin typeface="Calibri" panose="020F0502020204030204" pitchFamily="34" charset="0"/>
             </a:endParaRPr>
           </a:p>
@@ -6318,8 +6299,8 @@
         </p:nvSpPr>
         <p:spPr bwMode="auto">
           <a:xfrm>
-            <a:off x="2630658" y="4783015"/>
-            <a:ext cx="2588456" cy="605162"/>
+            <a:off x="2008617" y="3434456"/>
+            <a:ext cx="2607117" cy="1183410"/>
           </a:xfrm>
           <a:custGeom>
             <a:avLst/>
@@ -6330,6 +6311,12 @@
               <a:gd name="connsiteY1" fmla="*/ 506437 h 605162"/>
               <a:gd name="connsiteX2" fmla="*/ 2588456 w 2588456"/>
               <a:gd name="connsiteY2" fmla="*/ 0 h 605162"/>
+              <a:gd name="connsiteX0" fmla="*/ 0 w 2607117"/>
+              <a:gd name="connsiteY0" fmla="*/ 1183409 h 1183410"/>
+              <a:gd name="connsiteX1" fmla="*/ 1945935 w 2607117"/>
+              <a:gd name="connsiteY1" fmla="*/ 506437 h 1183410"/>
+              <a:gd name="connsiteX2" fmla="*/ 2607117 w 2607117"/>
+              <a:gd name="connsiteY2" fmla="*/ 0 h 1183410"/>
             </a:gdLst>
             <a:ahLst/>
             <a:cxnLst>
@@ -6345,19 +6332,19 @@
             </a:cxnLst>
             <a:rect l="l" t="t" r="r" b="b"/>
             <a:pathLst>
-              <a:path w="2588456" h="605162">
+              <a:path w="2607117" h="1183410">
                 <a:moveTo>
-                  <a:pt x="0" y="604911"/>
+                  <a:pt x="0" y="1183409"/>
                 </a:moveTo>
                 <a:cubicBezTo>
-                  <a:pt x="747932" y="606083"/>
-                  <a:pt x="1495865" y="607255"/>
-                  <a:pt x="1927274" y="506437"/>
+                  <a:pt x="747932" y="1184581"/>
+                  <a:pt x="1514526" y="607255"/>
+                  <a:pt x="1945935" y="506437"/>
                 </a:cubicBezTo>
                 <a:cubicBezTo>
-                  <a:pt x="2358683" y="405619"/>
-                  <a:pt x="2473569" y="202809"/>
-                  <a:pt x="2588456" y="0"/>
+                  <a:pt x="2377344" y="405619"/>
+                  <a:pt x="2492230" y="202809"/>
+                  <a:pt x="2607117" y="0"/>
                 </a:cubicBezTo>
               </a:path>
             </a:pathLst>
